--- a/format_encodings/documents/Introduction to Numbering Systems.pptx
+++ b/format_encodings/documents/Introduction to Numbering Systems.pptx
@@ -909,7 +909,7 @@
   <p:cSld>
     <p:spTree>
       <p:nvGrpSpPr>
-        <p:cNvPr id="186" name="Shape 186"/>
+        <p:cNvPr id="175" name="Shape 175"/>
         <p:cNvGrpSpPr/>
         <p:nvPr/>
       </p:nvGrpSpPr>
@@ -923,7 +923,7 @@
       </p:grpSpPr>
       <p:sp>
         <p:nvSpPr>
-          <p:cNvPr id="187" name="Google Shape;187;gf1bcb9d487_0_2821:notes"/>
+          <p:cNvPr id="176" name="Google Shape;176;gf1bcb9d487_0_2821:notes"/>
           <p:cNvSpPr/>
           <p:nvPr>
             <p:ph idx="2" type="sldImg"/>
@@ -958,7 +958,7 @@
       </p:sp>
       <p:sp>
         <p:nvSpPr>
-          <p:cNvPr id="188" name="Google Shape;188;gf1bcb9d487_0_2821:notes"/>
+          <p:cNvPr id="177" name="Google Shape;177;gf1bcb9d487_0_2821:notes"/>
           <p:cNvSpPr txBox="1"/>
           <p:nvPr>
             <p:ph idx="1" type="body"/>
@@ -1008,7 +1008,7 @@
   <p:cSld>
     <p:spTree>
       <p:nvGrpSpPr>
-        <p:cNvPr id="214" name="Shape 214"/>
+        <p:cNvPr id="203" name="Shape 203"/>
         <p:cNvGrpSpPr/>
         <p:nvPr/>
       </p:nvGrpSpPr>
@@ -1022,7 +1022,7 @@
       </p:grpSpPr>
       <p:sp>
         <p:nvSpPr>
-          <p:cNvPr id="215" name="Google Shape;215;gf1bcb9d487_0_1038:notes"/>
+          <p:cNvPr id="204" name="Google Shape;204;gf1bcb9d487_0_1038:notes"/>
           <p:cNvSpPr/>
           <p:nvPr>
             <p:ph idx="2" type="sldImg"/>
@@ -1057,7 +1057,7 @@
       </p:sp>
       <p:sp>
         <p:nvSpPr>
-          <p:cNvPr id="216" name="Google Shape;216;gf1bcb9d487_0_1038:notes"/>
+          <p:cNvPr id="205" name="Google Shape;205;gf1bcb9d487_0_1038:notes"/>
           <p:cNvSpPr txBox="1"/>
           <p:nvPr>
             <p:ph idx="1" type="body"/>
@@ -6759,7 +6759,7 @@
             </a:pPr>
             <a:r>
               <a:rPr lang="en"/>
-              <a:t>unary: 110, 11110, 1111111111111, 11101101111=324</a:t>
+              <a:t>unary: 110, 11110, 11111111111110, 111011011110=324</a:t>
             </a:r>
             <a:br>
               <a:rPr lang="en"/>
@@ -6796,7 +6796,7 @@
             </a:pPr>
             <a:r>
               <a:rPr lang="en"/>
-              <a:t>Rational:  e.g., ⅓, 2.3 but not…    𝝅</a:t>
+              <a:t>Rational:  e.g., ⅓, 2.3 but not…    𝝅  </a:t>
             </a:r>
             <a:endParaRPr/>
           </a:p>
@@ -6845,7 +6845,7 @@
               <a:spcAft>
                 <a:spcPts val="0"/>
               </a:spcAft>
-              <a:buSzPct val="66666"/>
+              <a:buSzPct val="105882"/>
               <a:buChar char="●"/>
             </a:pPr>
             <a:r>
@@ -6862,9 +6862,13 @@
             </a:r>
             <a:r>
               <a:rPr lang="en" sz="2700"/>
-              <a:t>∞</a:t>
+              <a:t>∞,</a:t>
             </a:r>
-            <a:endParaRPr sz="2700"/>
+            <a:r>
+              <a:rPr lang="en" sz="1700"/>
+              <a:t>   x/0 == NaN</a:t>
+            </a:r>
+            <a:endParaRPr sz="1700"/>
           </a:p>
         </p:txBody>
       </p:sp>
@@ -7813,415 +7817,6 @@
         </p:nvGrpSpPr>
         <p:grpSpPr>
           <a:xfrm>
-            <a:off x="925825" y="3648350"/>
-            <a:ext cx="1293850" cy="631200"/>
-            <a:chOff x="4724300" y="3025200"/>
-            <a:chExt cx="1293850" cy="631200"/>
-          </a:xfrm>
-        </p:grpSpPr>
-        <p:grpSp>
-          <p:nvGrpSpPr>
-            <p:cNvPr id="162" name="Google Shape;162;p22"/>
-            <p:cNvGrpSpPr/>
-            <p:nvPr/>
-          </p:nvGrpSpPr>
-          <p:grpSpPr>
-            <a:xfrm>
-              <a:off x="4724300" y="3025200"/>
-              <a:ext cx="1293850" cy="326400"/>
-              <a:chOff x="5509625" y="-545525"/>
-              <a:chExt cx="1293850" cy="326400"/>
-            </a:xfrm>
-          </p:grpSpPr>
-          <p:sp>
-            <p:nvSpPr>
-              <p:cNvPr id="163" name="Google Shape;163;p22"/>
-              <p:cNvSpPr/>
-              <p:nvPr/>
-            </p:nvSpPr>
-            <p:spPr>
-              <a:xfrm>
-                <a:off x="5509625" y="-545525"/>
-                <a:ext cx="309600" cy="326400"/>
-              </a:xfrm>
-              <a:prstGeom prst="rect">
-                <a:avLst/>
-              </a:prstGeom>
-              <a:solidFill>
-                <a:srgbClr val="A4C2F4"/>
-              </a:solidFill>
-              <a:ln cap="flat" cmpd="sng" w="9525">
-                <a:solidFill>
-                  <a:schemeClr val="dk2"/>
-                </a:solidFill>
-                <a:prstDash val="solid"/>
-                <a:round/>
-                <a:headEnd len="sm" w="sm" type="none"/>
-                <a:tailEnd len="sm" w="sm" type="none"/>
-              </a:ln>
-            </p:spPr>
-            <p:txBody>
-              <a:bodyPr anchorCtr="0" anchor="ctr" bIns="91425" lIns="91425" spcFirstLastPara="1" rIns="91425" wrap="square" tIns="91425">
-                <a:noAutofit/>
-              </a:bodyPr>
-              <a:lstStyle/>
-              <a:p>
-                <a:pPr indent="0" lvl="0" marL="0" rtl="0" algn="ctr">
-                  <a:spcBef>
-                    <a:spcPts val="0"/>
-                  </a:spcBef>
-                  <a:spcAft>
-                    <a:spcPts val="0"/>
-                  </a:spcAft>
-                  <a:buNone/>
-                </a:pPr>
-                <a:r>
-                  <a:t/>
-                </a:r>
-                <a:endParaRPr/>
-              </a:p>
-            </p:txBody>
-          </p:sp>
-          <p:sp>
-            <p:nvSpPr>
-              <p:cNvPr id="164" name="Google Shape;164;p22"/>
-              <p:cNvSpPr/>
-              <p:nvPr/>
-            </p:nvSpPr>
-            <p:spPr>
-              <a:xfrm>
-                <a:off x="5837713" y="-545525"/>
-                <a:ext cx="309600" cy="326400"/>
-              </a:xfrm>
-              <a:prstGeom prst="rect">
-                <a:avLst/>
-              </a:prstGeom>
-              <a:solidFill>
-                <a:srgbClr val="A4C2F4"/>
-              </a:solidFill>
-              <a:ln cap="flat" cmpd="sng" w="9525">
-                <a:solidFill>
-                  <a:schemeClr val="dk2"/>
-                </a:solidFill>
-                <a:prstDash val="solid"/>
-                <a:round/>
-                <a:headEnd len="sm" w="sm" type="none"/>
-                <a:tailEnd len="sm" w="sm" type="none"/>
-              </a:ln>
-            </p:spPr>
-            <p:txBody>
-              <a:bodyPr anchorCtr="0" anchor="ctr" bIns="91425" lIns="91425" spcFirstLastPara="1" rIns="91425" wrap="square" tIns="91425">
-                <a:noAutofit/>
-              </a:bodyPr>
-              <a:lstStyle/>
-              <a:p>
-                <a:pPr indent="0" lvl="0" marL="0" rtl="0" algn="ctr">
-                  <a:spcBef>
-                    <a:spcPts val="0"/>
-                  </a:spcBef>
-                  <a:spcAft>
-                    <a:spcPts val="0"/>
-                  </a:spcAft>
-                  <a:buNone/>
-                </a:pPr>
-                <a:r>
-                  <a:t/>
-                </a:r>
-                <a:endParaRPr/>
-              </a:p>
-            </p:txBody>
-          </p:sp>
-          <p:sp>
-            <p:nvSpPr>
-              <p:cNvPr id="165" name="Google Shape;165;p22"/>
-              <p:cNvSpPr/>
-              <p:nvPr/>
-            </p:nvSpPr>
-            <p:spPr>
-              <a:xfrm>
-                <a:off x="6165800" y="-545525"/>
-                <a:ext cx="309600" cy="326400"/>
-              </a:xfrm>
-              <a:prstGeom prst="rect">
-                <a:avLst/>
-              </a:prstGeom>
-              <a:solidFill>
-                <a:srgbClr val="A4C2F4"/>
-              </a:solidFill>
-              <a:ln cap="flat" cmpd="sng" w="9525">
-                <a:solidFill>
-                  <a:schemeClr val="dk2"/>
-                </a:solidFill>
-                <a:prstDash val="solid"/>
-                <a:round/>
-                <a:headEnd len="sm" w="sm" type="none"/>
-                <a:tailEnd len="sm" w="sm" type="none"/>
-              </a:ln>
-            </p:spPr>
-            <p:txBody>
-              <a:bodyPr anchorCtr="0" anchor="ctr" bIns="91425" lIns="91425" spcFirstLastPara="1" rIns="91425" wrap="square" tIns="91425">
-                <a:noAutofit/>
-              </a:bodyPr>
-              <a:lstStyle/>
-              <a:p>
-                <a:pPr indent="0" lvl="0" marL="0" rtl="0" algn="ctr">
-                  <a:spcBef>
-                    <a:spcPts val="0"/>
-                  </a:spcBef>
-                  <a:spcAft>
-                    <a:spcPts val="0"/>
-                  </a:spcAft>
-                  <a:buNone/>
-                </a:pPr>
-                <a:r>
-                  <a:t/>
-                </a:r>
-                <a:endParaRPr/>
-              </a:p>
-            </p:txBody>
-          </p:sp>
-          <p:sp>
-            <p:nvSpPr>
-              <p:cNvPr id="166" name="Google Shape;166;p22"/>
-              <p:cNvSpPr/>
-              <p:nvPr/>
-            </p:nvSpPr>
-            <p:spPr>
-              <a:xfrm>
-                <a:off x="6493875" y="-545525"/>
-                <a:ext cx="309600" cy="326400"/>
-              </a:xfrm>
-              <a:prstGeom prst="rect">
-                <a:avLst/>
-              </a:prstGeom>
-              <a:solidFill>
-                <a:srgbClr val="A4C2F4"/>
-              </a:solidFill>
-              <a:ln cap="flat" cmpd="sng" w="9525">
-                <a:solidFill>
-                  <a:schemeClr val="dk2"/>
-                </a:solidFill>
-                <a:prstDash val="solid"/>
-                <a:round/>
-                <a:headEnd len="sm" w="sm" type="none"/>
-                <a:tailEnd len="sm" w="sm" type="none"/>
-              </a:ln>
-            </p:spPr>
-            <p:txBody>
-              <a:bodyPr anchorCtr="0" anchor="ctr" bIns="91425" lIns="91425" spcFirstLastPara="1" rIns="91425" wrap="square" tIns="91425">
-                <a:noAutofit/>
-              </a:bodyPr>
-              <a:lstStyle/>
-              <a:p>
-                <a:pPr indent="0" lvl="0" marL="0" rtl="0" algn="ctr">
-                  <a:spcBef>
-                    <a:spcPts val="0"/>
-                  </a:spcBef>
-                  <a:spcAft>
-                    <a:spcPts val="0"/>
-                  </a:spcAft>
-                  <a:buNone/>
-                </a:pPr>
-                <a:r>
-                  <a:t/>
-                </a:r>
-                <a:endParaRPr/>
-              </a:p>
-            </p:txBody>
-          </p:sp>
-        </p:grpSp>
-        <p:grpSp>
-          <p:nvGrpSpPr>
-            <p:cNvPr id="167" name="Google Shape;167;p22"/>
-            <p:cNvGrpSpPr/>
-            <p:nvPr/>
-          </p:nvGrpSpPr>
-          <p:grpSpPr>
-            <a:xfrm>
-              <a:off x="4724300" y="3330000"/>
-              <a:ext cx="1293850" cy="326400"/>
-              <a:chOff x="5509625" y="-545525"/>
-              <a:chExt cx="1293850" cy="326400"/>
-            </a:xfrm>
-          </p:grpSpPr>
-          <p:sp>
-            <p:nvSpPr>
-              <p:cNvPr id="168" name="Google Shape;168;p22"/>
-              <p:cNvSpPr/>
-              <p:nvPr/>
-            </p:nvSpPr>
-            <p:spPr>
-              <a:xfrm>
-                <a:off x="5509625" y="-545525"/>
-                <a:ext cx="309600" cy="326400"/>
-              </a:xfrm>
-              <a:prstGeom prst="rect">
-                <a:avLst/>
-              </a:prstGeom>
-              <a:noFill/>
-              <a:ln>
-                <a:noFill/>
-              </a:ln>
-            </p:spPr>
-            <p:txBody>
-              <a:bodyPr anchorCtr="0" anchor="ctr" bIns="91425" lIns="91425" spcFirstLastPara="1" rIns="91425" wrap="square" tIns="91425">
-                <a:noAutofit/>
-              </a:bodyPr>
-              <a:lstStyle/>
-              <a:p>
-                <a:pPr indent="0" lvl="0" marL="0" rtl="0" algn="ctr">
-                  <a:spcBef>
-                    <a:spcPts val="0"/>
-                  </a:spcBef>
-                  <a:spcAft>
-                    <a:spcPts val="0"/>
-                  </a:spcAft>
-                  <a:buNone/>
-                </a:pPr>
-                <a:r>
-                  <a:rPr lang="en"/>
-                  <a:t>Z</a:t>
-                </a:r>
-                <a:endParaRPr/>
-              </a:p>
-            </p:txBody>
-          </p:sp>
-          <p:sp>
-            <p:nvSpPr>
-              <p:cNvPr id="169" name="Google Shape;169;p22"/>
-              <p:cNvSpPr/>
-              <p:nvPr/>
-            </p:nvSpPr>
-            <p:spPr>
-              <a:xfrm>
-                <a:off x="5837713" y="-545525"/>
-                <a:ext cx="309600" cy="326400"/>
-              </a:xfrm>
-              <a:prstGeom prst="rect">
-                <a:avLst/>
-              </a:prstGeom>
-              <a:noFill/>
-              <a:ln>
-                <a:noFill/>
-              </a:ln>
-            </p:spPr>
-            <p:txBody>
-              <a:bodyPr anchorCtr="0" anchor="ctr" bIns="91425" lIns="91425" spcFirstLastPara="1" rIns="91425" wrap="square" tIns="91425">
-                <a:noAutofit/>
-              </a:bodyPr>
-              <a:lstStyle/>
-              <a:p>
-                <a:pPr indent="0" lvl="0" marL="0" rtl="0" algn="ctr">
-                  <a:spcBef>
-                    <a:spcPts val="0"/>
-                  </a:spcBef>
-                  <a:spcAft>
-                    <a:spcPts val="0"/>
-                  </a:spcAft>
-                  <a:buNone/>
-                </a:pPr>
-                <a:r>
-                  <a:rPr lang="en"/>
-                  <a:t>S</a:t>
-                </a:r>
-                <a:endParaRPr/>
-              </a:p>
-            </p:txBody>
-          </p:sp>
-          <p:sp>
-            <p:nvSpPr>
-              <p:cNvPr id="170" name="Google Shape;170;p22"/>
-              <p:cNvSpPr/>
-              <p:nvPr/>
-            </p:nvSpPr>
-            <p:spPr>
-              <a:xfrm>
-                <a:off x="6165800" y="-545525"/>
-                <a:ext cx="309600" cy="326400"/>
-              </a:xfrm>
-              <a:prstGeom prst="rect">
-                <a:avLst/>
-              </a:prstGeom>
-              <a:noFill/>
-              <a:ln>
-                <a:noFill/>
-              </a:ln>
-            </p:spPr>
-            <p:txBody>
-              <a:bodyPr anchorCtr="0" anchor="ctr" bIns="91425" lIns="91425" spcFirstLastPara="1" rIns="91425" wrap="square" tIns="91425">
-                <a:noAutofit/>
-              </a:bodyPr>
-              <a:lstStyle/>
-              <a:p>
-                <a:pPr indent="0" lvl="0" marL="0" rtl="0" algn="ctr">
-                  <a:spcBef>
-                    <a:spcPts val="0"/>
-                  </a:spcBef>
-                  <a:spcAft>
-                    <a:spcPts val="0"/>
-                  </a:spcAft>
-                  <a:buNone/>
-                </a:pPr>
-                <a:r>
-                  <a:rPr lang="en"/>
-                  <a:t>O</a:t>
-                </a:r>
-                <a:endParaRPr/>
-              </a:p>
-            </p:txBody>
-          </p:sp>
-          <p:sp>
-            <p:nvSpPr>
-              <p:cNvPr id="171" name="Google Shape;171;p22"/>
-              <p:cNvSpPr/>
-              <p:nvPr/>
-            </p:nvSpPr>
-            <p:spPr>
-              <a:xfrm>
-                <a:off x="6493875" y="-545525"/>
-                <a:ext cx="309600" cy="326400"/>
-              </a:xfrm>
-              <a:prstGeom prst="rect">
-                <a:avLst/>
-              </a:prstGeom>
-              <a:noFill/>
-              <a:ln>
-                <a:noFill/>
-              </a:ln>
-            </p:spPr>
-            <p:txBody>
-              <a:bodyPr anchorCtr="0" anchor="ctr" bIns="91425" lIns="91425" spcFirstLastPara="1" rIns="91425" wrap="square" tIns="91425">
-                <a:noAutofit/>
-              </a:bodyPr>
-              <a:lstStyle/>
-              <a:p>
-                <a:pPr indent="0" lvl="0" marL="0" rtl="0" algn="ctr">
-                  <a:spcBef>
-                    <a:spcPts val="0"/>
-                  </a:spcBef>
-                  <a:spcAft>
-                    <a:spcPts val="0"/>
-                  </a:spcAft>
-                  <a:buNone/>
-                </a:pPr>
-                <a:r>
-                  <a:rPr lang="en"/>
-                  <a:t>C</a:t>
-                </a:r>
-                <a:endParaRPr/>
-              </a:p>
-            </p:txBody>
-          </p:sp>
-        </p:grpSp>
-      </p:grpSp>
-      <p:grpSp>
-        <p:nvGrpSpPr>
-          <p:cNvPr id="172" name="Google Shape;172;p22"/>
-          <p:cNvGrpSpPr/>
-          <p:nvPr/>
-        </p:nvGrpSpPr>
-        <p:grpSpPr>
-          <a:xfrm>
             <a:off x="3799600" y="3637550"/>
             <a:ext cx="637675" cy="326400"/>
             <a:chOff x="3799600" y="3637550"/>
@@ -8230,7 +7825,7 @@
         </p:grpSpPr>
         <p:sp>
           <p:nvSpPr>
-            <p:cNvPr id="173" name="Google Shape;173;p22"/>
+            <p:cNvPr id="162" name="Google Shape;162;p22"/>
             <p:cNvSpPr/>
             <p:nvPr/>
           </p:nvSpPr>
@@ -8279,7 +7874,7 @@
         </p:sp>
         <p:sp>
           <p:nvSpPr>
-            <p:cNvPr id="174" name="Google Shape;174;p22"/>
+            <p:cNvPr id="163" name="Google Shape;163;p22"/>
             <p:cNvSpPr/>
             <p:nvPr/>
           </p:nvSpPr>
@@ -8329,7 +7924,7 @@
       </p:grpSp>
       <p:grpSp>
         <p:nvGrpSpPr>
-          <p:cNvPr id="175" name="Google Shape;175;p22"/>
+          <p:cNvPr id="164" name="Google Shape;164;p22"/>
           <p:cNvGrpSpPr/>
           <p:nvPr/>
         </p:nvGrpSpPr>
@@ -8343,7 +7938,7 @@
         </p:grpSpPr>
         <p:sp>
           <p:nvSpPr>
-            <p:cNvPr id="176" name="Google Shape;176;p22"/>
+            <p:cNvPr id="165" name="Google Shape;165;p22"/>
             <p:cNvSpPr/>
             <p:nvPr/>
           </p:nvSpPr>
@@ -8392,7 +7987,7 @@
         </p:sp>
         <p:sp>
           <p:nvSpPr>
-            <p:cNvPr id="177" name="Google Shape;177;p22"/>
+            <p:cNvPr id="166" name="Google Shape;166;p22"/>
             <p:cNvSpPr/>
             <p:nvPr/>
           </p:nvSpPr>
@@ -8442,7 +8037,7 @@
       </p:grpSp>
       <p:grpSp>
         <p:nvGrpSpPr>
-          <p:cNvPr id="178" name="Google Shape;178;p22"/>
+          <p:cNvPr id="167" name="Google Shape;167;p22"/>
           <p:cNvGrpSpPr/>
           <p:nvPr/>
         </p:nvGrpSpPr>
@@ -8456,7 +8051,7 @@
         </p:grpSpPr>
         <p:sp>
           <p:nvSpPr>
-            <p:cNvPr id="179" name="Google Shape;179;p22"/>
+            <p:cNvPr id="168" name="Google Shape;168;p22"/>
             <p:cNvSpPr/>
             <p:nvPr/>
           </p:nvSpPr>
@@ -8505,7 +8100,7 @@
         </p:sp>
         <p:sp>
           <p:nvSpPr>
-            <p:cNvPr id="180" name="Google Shape;180;p22"/>
+            <p:cNvPr id="169" name="Google Shape;169;p22"/>
             <p:cNvSpPr/>
             <p:nvPr/>
           </p:nvSpPr>
@@ -8555,7 +8150,7 @@
       </p:grpSp>
       <p:sp>
         <p:nvSpPr>
-          <p:cNvPr id="181" name="Google Shape;181;p22"/>
+          <p:cNvPr id="170" name="Google Shape;170;p22"/>
           <p:cNvSpPr/>
           <p:nvPr/>
         </p:nvSpPr>
@@ -8604,7 +8199,7 @@
       </p:sp>
       <p:sp>
         <p:nvSpPr>
-          <p:cNvPr id="182" name="Google Shape;182;p22"/>
+          <p:cNvPr id="171" name="Google Shape;171;p22"/>
           <p:cNvSpPr/>
           <p:nvPr/>
         </p:nvSpPr>
@@ -8653,7 +8248,7 @@
       </p:sp>
       <p:sp>
         <p:nvSpPr>
-          <p:cNvPr id="183" name="Google Shape;183;p22"/>
+          <p:cNvPr id="172" name="Google Shape;172;p22"/>
           <p:cNvSpPr/>
           <p:nvPr/>
         </p:nvSpPr>
@@ -8702,14 +8297,14 @@
       </p:sp>
       <p:sp>
         <p:nvSpPr>
-          <p:cNvPr id="184" name="Google Shape;184;p22"/>
+          <p:cNvPr id="173" name="Google Shape;173;p22"/>
           <p:cNvSpPr txBox="1"/>
           <p:nvPr/>
         </p:nvSpPr>
         <p:spPr>
           <a:xfrm>
             <a:off x="6298025" y="2667800"/>
-            <a:ext cx="2433000" cy="738900"/>
+            <a:ext cx="2617800" cy="738900"/>
           </a:xfrm>
           <a:prstGeom prst="rect">
             <a:avLst/>
@@ -8769,7 +8364,7 @@
                   <a:srgbClr val="FFFFFF"/>
                 </a:highlight>
               </a:rPr>
-              <a:t>$4.969</a:t>
+              <a:t>$4.96 9/10</a:t>
             </a:r>
             <a:r>
               <a:rPr lang="en" sz="1200"/>
@@ -8781,9 +8376,9 @@
       </p:sp>
       <p:cxnSp>
         <p:nvCxnSpPr>
-          <p:cNvPr id="185" name="Google Shape;185;p22"/>
+          <p:cNvPr id="174" name="Google Shape;174;p22"/>
           <p:cNvCxnSpPr>
-            <a:endCxn id="184" idx="1"/>
+            <a:endCxn id="173" idx="1"/>
           </p:cNvCxnSpPr>
           <p:nvPr/>
         </p:nvCxnSpPr>
@@ -8822,7 +8417,7 @@
   <p:cSld>
     <p:spTree>
       <p:nvGrpSpPr>
-        <p:cNvPr id="189" name="Shape 189"/>
+        <p:cNvPr id="178" name="Shape 178"/>
         <p:cNvGrpSpPr/>
         <p:nvPr/>
       </p:nvGrpSpPr>
@@ -8836,7 +8431,7 @@
       </p:grpSpPr>
       <p:sp>
         <p:nvSpPr>
-          <p:cNvPr id="190" name="Google Shape;190;p23"/>
+          <p:cNvPr id="179" name="Google Shape;179;p23"/>
           <p:cNvSpPr txBox="1"/>
           <p:nvPr>
             <p:ph type="title"/>
@@ -8876,7 +8471,7 @@
       </p:sp>
       <p:sp>
         <p:nvSpPr>
-          <p:cNvPr id="191" name="Google Shape;191;p23"/>
+          <p:cNvPr id="180" name="Google Shape;180;p23"/>
           <p:cNvSpPr txBox="1"/>
           <p:nvPr>
             <p:ph idx="1" type="body"/>
@@ -9118,7 +8713,7 @@
       </p:sp>
       <p:sp>
         <p:nvSpPr>
-          <p:cNvPr id="192" name="Google Shape;192;p23"/>
+          <p:cNvPr id="181" name="Google Shape;181;p23"/>
           <p:cNvSpPr txBox="1"/>
           <p:nvPr/>
         </p:nvSpPr>
@@ -9242,7 +8837,7 @@
       </p:sp>
       <p:grpSp>
         <p:nvGrpSpPr>
-          <p:cNvPr id="193" name="Google Shape;193;p23"/>
+          <p:cNvPr id="182" name="Google Shape;182;p23"/>
           <p:cNvGrpSpPr/>
           <p:nvPr/>
         </p:nvGrpSpPr>
@@ -9256,7 +8851,7 @@
         </p:grpSpPr>
         <p:sp>
           <p:nvSpPr>
-            <p:cNvPr id="194" name="Google Shape;194;p23"/>
+            <p:cNvPr id="183" name="Google Shape;183;p23"/>
             <p:cNvSpPr/>
             <p:nvPr/>
           </p:nvSpPr>
@@ -9306,7 +8901,7 @@
         </p:sp>
         <p:sp>
           <p:nvSpPr>
-            <p:cNvPr id="195" name="Google Shape;195;p23"/>
+            <p:cNvPr id="184" name="Google Shape;184;p23"/>
             <p:cNvSpPr/>
             <p:nvPr/>
           </p:nvSpPr>
@@ -9356,7 +8951,7 @@
         </p:sp>
         <p:sp>
           <p:nvSpPr>
-            <p:cNvPr id="196" name="Google Shape;196;p23"/>
+            <p:cNvPr id="185" name="Google Shape;185;p23"/>
             <p:cNvSpPr/>
             <p:nvPr/>
           </p:nvSpPr>
@@ -9406,7 +9001,7 @@
         </p:sp>
         <p:sp>
           <p:nvSpPr>
-            <p:cNvPr id="197" name="Google Shape;197;p23"/>
+            <p:cNvPr id="186" name="Google Shape;186;p23"/>
             <p:cNvSpPr/>
             <p:nvPr/>
           </p:nvSpPr>
@@ -9457,7 +9052,7 @@
       </p:grpSp>
       <p:grpSp>
         <p:nvGrpSpPr>
-          <p:cNvPr id="198" name="Google Shape;198;p23"/>
+          <p:cNvPr id="187" name="Google Shape;187;p23"/>
           <p:cNvGrpSpPr/>
           <p:nvPr/>
         </p:nvGrpSpPr>
@@ -9471,7 +9066,7 @@
         </p:grpSpPr>
         <p:sp>
           <p:nvSpPr>
-            <p:cNvPr id="199" name="Google Shape;199;p23"/>
+            <p:cNvPr id="188" name="Google Shape;188;p23"/>
             <p:cNvSpPr/>
             <p:nvPr/>
           </p:nvSpPr>
@@ -9521,7 +9116,7 @@
         </p:sp>
         <p:sp>
           <p:nvSpPr>
-            <p:cNvPr id="200" name="Google Shape;200;p23"/>
+            <p:cNvPr id="189" name="Google Shape;189;p23"/>
             <p:cNvSpPr/>
             <p:nvPr/>
           </p:nvSpPr>
@@ -9571,7 +9166,7 @@
         </p:sp>
         <p:sp>
           <p:nvSpPr>
-            <p:cNvPr id="201" name="Google Shape;201;p23"/>
+            <p:cNvPr id="190" name="Google Shape;190;p23"/>
             <p:cNvSpPr/>
             <p:nvPr/>
           </p:nvSpPr>
@@ -9621,7 +9216,7 @@
         </p:sp>
         <p:sp>
           <p:nvSpPr>
-            <p:cNvPr id="202" name="Google Shape;202;p23"/>
+            <p:cNvPr id="191" name="Google Shape;191;p23"/>
             <p:cNvSpPr/>
             <p:nvPr/>
           </p:nvSpPr>
@@ -9672,7 +9267,7 @@
       </p:grpSp>
       <p:sp>
         <p:nvSpPr>
-          <p:cNvPr id="203" name="Google Shape;203;p23"/>
+          <p:cNvPr id="192" name="Google Shape;192;p23"/>
           <p:cNvSpPr/>
           <p:nvPr/>
         </p:nvSpPr>
@@ -9722,7 +9317,7 @@
       </p:sp>
       <p:sp>
         <p:nvSpPr>
-          <p:cNvPr id="204" name="Google Shape;204;p23"/>
+          <p:cNvPr id="193" name="Google Shape;193;p23"/>
           <p:cNvSpPr/>
           <p:nvPr/>
         </p:nvSpPr>
@@ -9772,7 +9367,7 @@
       </p:sp>
       <p:sp>
         <p:nvSpPr>
-          <p:cNvPr id="205" name="Google Shape;205;p23"/>
+          <p:cNvPr id="194" name="Google Shape;194;p23"/>
           <p:cNvSpPr/>
           <p:nvPr/>
         </p:nvSpPr>
@@ -9822,7 +9417,7 @@
       </p:sp>
       <p:sp>
         <p:nvSpPr>
-          <p:cNvPr id="206" name="Google Shape;206;p23"/>
+          <p:cNvPr id="195" name="Google Shape;195;p23"/>
           <p:cNvSpPr/>
           <p:nvPr/>
         </p:nvSpPr>
@@ -9872,7 +9467,7 @@
       </p:sp>
       <p:sp>
         <p:nvSpPr>
-          <p:cNvPr id="207" name="Google Shape;207;p23"/>
+          <p:cNvPr id="196" name="Google Shape;196;p23"/>
           <p:cNvSpPr/>
           <p:nvPr/>
         </p:nvSpPr>
@@ -9922,7 +9517,7 @@
       </p:sp>
       <p:sp>
         <p:nvSpPr>
-          <p:cNvPr id="208" name="Google Shape;208;p23"/>
+          <p:cNvPr id="197" name="Google Shape;197;p23"/>
           <p:cNvSpPr/>
           <p:nvPr/>
         </p:nvSpPr>
@@ -9972,7 +9567,7 @@
       </p:sp>
       <p:sp>
         <p:nvSpPr>
-          <p:cNvPr id="209" name="Google Shape;209;p23"/>
+          <p:cNvPr id="198" name="Google Shape;198;p23"/>
           <p:cNvSpPr/>
           <p:nvPr/>
         </p:nvSpPr>
@@ -10022,7 +9617,7 @@
       </p:sp>
       <p:sp>
         <p:nvSpPr>
-          <p:cNvPr id="210" name="Google Shape;210;p23"/>
+          <p:cNvPr id="199" name="Google Shape;199;p23"/>
           <p:cNvSpPr/>
           <p:nvPr/>
         </p:nvSpPr>
@@ -10072,7 +9667,7 @@
       </p:sp>
       <p:sp>
         <p:nvSpPr>
-          <p:cNvPr id="211" name="Google Shape;211;p23"/>
+          <p:cNvPr id="200" name="Google Shape;200;p23"/>
           <p:cNvSpPr txBox="1"/>
           <p:nvPr/>
         </p:nvSpPr>
@@ -10114,7 +9709,7 @@
       </p:sp>
       <p:sp>
         <p:nvSpPr>
-          <p:cNvPr id="212" name="Google Shape;212;p23"/>
+          <p:cNvPr id="201" name="Google Shape;201;p23"/>
           <p:cNvSpPr txBox="1"/>
           <p:nvPr/>
         </p:nvSpPr>
@@ -10156,7 +9751,7 @@
       </p:sp>
       <p:sp>
         <p:nvSpPr>
-          <p:cNvPr id="213" name="Google Shape;213;p23"/>
+          <p:cNvPr id="202" name="Google Shape;202;p23"/>
           <p:cNvSpPr txBox="1"/>
           <p:nvPr/>
         </p:nvSpPr>
@@ -10209,7 +9804,7 @@
   <p:cSld>
     <p:spTree>
       <p:nvGrpSpPr>
-        <p:cNvPr id="217" name="Shape 217"/>
+        <p:cNvPr id="206" name="Shape 206"/>
         <p:cNvGrpSpPr/>
         <p:nvPr/>
       </p:nvGrpSpPr>
@@ -10223,7 +9818,7 @@
       </p:grpSpPr>
       <p:sp>
         <p:nvSpPr>
-          <p:cNvPr id="218" name="Google Shape;218;p24"/>
+          <p:cNvPr id="207" name="Google Shape;207;p24"/>
           <p:cNvSpPr/>
           <p:nvPr/>
         </p:nvSpPr>
@@ -10272,7 +9867,7 @@
       </p:sp>
       <p:sp>
         <p:nvSpPr>
-          <p:cNvPr id="219" name="Google Shape;219;p24"/>
+          <p:cNvPr id="208" name="Google Shape;208;p24"/>
           <p:cNvSpPr/>
           <p:nvPr/>
         </p:nvSpPr>
@@ -10321,7 +9916,7 @@
       </p:sp>
       <p:sp>
         <p:nvSpPr>
-          <p:cNvPr id="220" name="Google Shape;220;p24"/>
+          <p:cNvPr id="209" name="Google Shape;209;p24"/>
           <p:cNvSpPr/>
           <p:nvPr/>
         </p:nvSpPr>
@@ -10370,7 +9965,7 @@
       </p:sp>
       <p:sp>
         <p:nvSpPr>
-          <p:cNvPr id="221" name="Google Shape;221;p24"/>
+          <p:cNvPr id="210" name="Google Shape;210;p24"/>
           <p:cNvSpPr/>
           <p:nvPr/>
         </p:nvSpPr>
@@ -10419,7 +10014,7 @@
       </p:sp>
       <p:sp>
         <p:nvSpPr>
-          <p:cNvPr id="222" name="Google Shape;222;p24"/>
+          <p:cNvPr id="211" name="Google Shape;211;p24"/>
           <p:cNvSpPr txBox="1"/>
           <p:nvPr>
             <p:ph type="title"/>
@@ -10459,7 +10054,7 @@
       </p:sp>
       <p:sp>
         <p:nvSpPr>
-          <p:cNvPr id="223" name="Google Shape;223;p24"/>
+          <p:cNvPr id="212" name="Google Shape;212;p24"/>
           <p:cNvSpPr txBox="1"/>
           <p:nvPr>
             <p:ph idx="1" type="body"/>
@@ -10507,7 +10102,15 @@
             </a:pPr>
             <a:r>
               <a:rPr lang="en"/>
-              <a:t>Recall Scientific Notation:   - 1.0100101  x 2 </a:t>
+              <a:t>Recall Scientific Notation:   </a:t>
+            </a:r>
+            <a:r>
+              <a:rPr lang="en"/>
+              <a:t>- </a:t>
+            </a:r>
+            <a:r>
+              <a:rPr lang="en"/>
+              <a:t>1.0100101  x 2 </a:t>
             </a:r>
             <a:r>
               <a:rPr baseline="30000" lang="en"/>
@@ -10780,7 +10383,7 @@
       </p:sp>
       <p:graphicFrame>
         <p:nvGraphicFramePr>
-          <p:cNvPr id="224" name="Google Shape;224;p24"/>
+          <p:cNvPr id="213" name="Google Shape;213;p24"/>
           <p:cNvGraphicFramePr/>
           <p:nvPr/>
         </p:nvGraphicFramePr>
@@ -10793,7 +10396,7 @@
             <a:tbl>
               <a:tblPr>
                 <a:noFill/>
-                <a:tableStyleId>{F3CF3ABC-BAE6-4BAA-AC46-C0487A4C8D14}</a:tableStyleId>
+                <a:tableStyleId>{A7B692A8-48BE-4468-BABA-273684A0D2D3}</a:tableStyleId>
               </a:tblPr>
               <a:tblGrid>
                 <a:gridCol w="698500"/>
@@ -12303,7 +11906,7 @@
       </p:graphicFrame>
       <p:cxnSp>
         <p:nvCxnSpPr>
-          <p:cNvPr id="225" name="Google Shape;225;p24"/>
+          <p:cNvPr id="214" name="Google Shape;214;p24"/>
           <p:cNvCxnSpPr/>
           <p:nvPr/>
         </p:nvCxnSpPr>
@@ -12329,7 +11932,7 @@
       </p:cxnSp>
       <p:cxnSp>
         <p:nvCxnSpPr>
-          <p:cNvPr id="226" name="Google Shape;226;p24"/>
+          <p:cNvPr id="215" name="Google Shape;215;p24"/>
           <p:cNvCxnSpPr/>
           <p:nvPr/>
         </p:nvCxnSpPr>
@@ -12355,7 +11958,7 @@
       </p:cxnSp>
       <p:cxnSp>
         <p:nvCxnSpPr>
-          <p:cNvPr id="227" name="Google Shape;227;p24"/>
+          <p:cNvPr id="216" name="Google Shape;216;p24"/>
           <p:cNvCxnSpPr/>
           <p:nvPr/>
         </p:nvCxnSpPr>
@@ -12383,7 +11986,7 @@
       </p:cxnSp>
       <p:sp>
         <p:nvSpPr>
-          <p:cNvPr id="228" name="Google Shape;228;p24"/>
+          <p:cNvPr id="217" name="Google Shape;217;p24"/>
           <p:cNvSpPr/>
           <p:nvPr/>
         </p:nvSpPr>
@@ -12433,9 +12036,9 @@
       </p:sp>
       <p:cxnSp>
         <p:nvCxnSpPr>
-          <p:cNvPr id="229" name="Google Shape;229;p24"/>
+          <p:cNvPr id="218" name="Google Shape;218;p24"/>
           <p:cNvCxnSpPr>
-            <a:endCxn id="228" idx="1"/>
+            <a:endCxn id="217" idx="1"/>
           </p:cNvCxnSpPr>
           <p:nvPr/>
         </p:nvCxnSpPr>
@@ -12463,7 +12066,7 @@
       </p:cxnSp>
       <p:cxnSp>
         <p:nvCxnSpPr>
-          <p:cNvPr id="230" name="Google Shape;230;p24"/>
+          <p:cNvPr id="219" name="Google Shape;219;p24"/>
           <p:cNvCxnSpPr/>
           <p:nvPr/>
         </p:nvCxnSpPr>
@@ -12489,14 +12092,14 @@
       </p:cxnSp>
       <p:sp>
         <p:nvSpPr>
-          <p:cNvPr id="231" name="Google Shape;231;p24"/>
+          <p:cNvPr id="220" name="Google Shape;220;p24"/>
           <p:cNvSpPr/>
           <p:nvPr/>
         </p:nvSpPr>
         <p:spPr>
           <a:xfrm>
-            <a:off x="7564600" y="1315750"/>
-            <a:ext cx="775800" cy="3545400"/>
+            <a:off x="8588175" y="1384013"/>
+            <a:ext cx="612600" cy="3545400"/>
           </a:xfrm>
           <a:prstGeom prst="rect">
             <a:avLst/>
@@ -12538,7 +12141,7 @@
       </p:sp>
       <p:graphicFrame>
         <p:nvGraphicFramePr>
-          <p:cNvPr id="232" name="Google Shape;232;p24"/>
+          <p:cNvPr id="221" name="Google Shape;221;p24"/>
           <p:cNvGraphicFramePr/>
           <p:nvPr/>
         </p:nvGraphicFramePr>
@@ -12551,7 +12154,7 @@
             <a:tbl>
               <a:tblPr>
                 <a:noFill/>
-                <a:tableStyleId>{F3CF3ABC-BAE6-4BAA-AC46-C0487A4C8D14}</a:tableStyleId>
+                <a:tableStyleId>{A7B692A8-48BE-4468-BABA-273684A0D2D3}</a:tableStyleId>
               </a:tblPr>
               <a:tblGrid>
                 <a:gridCol w="698500"/>
@@ -12846,7 +12449,7 @@
       </p:graphicFrame>
       <p:sp>
         <p:nvSpPr>
-          <p:cNvPr id="233" name="Google Shape;233;p24"/>
+          <p:cNvPr id="222" name="Google Shape;222;p24"/>
           <p:cNvSpPr txBox="1"/>
           <p:nvPr/>
         </p:nvSpPr>
@@ -12921,7 +12524,7 @@
         </p:nvSpPr>
         <p:spPr>
           <a:xfrm>
-            <a:off x="311700" y="445025"/>
+            <a:off x="311700" y="521225"/>
             <a:ext cx="8520600" cy="572700"/>
           </a:xfrm>
           <a:prstGeom prst="rect">
@@ -13156,7 +12759,15 @@
             </a:pPr>
             <a:r>
               <a:rPr lang="en"/>
-              <a:t>052.2 		(Java, C, etc, but not javascript)</a:t>
+              <a:t>052</a:t>
+            </a:r>
+            <a:r>
+              <a:rPr lang="en"/>
+              <a:t>.2 </a:t>
+            </a:r>
+            <a:r>
+              <a:rPr lang="en"/>
+              <a:t>		(Java, C, etc, but not Javascript)</a:t>
             </a:r>
             <a:endParaRPr/>
           </a:p>
@@ -13667,7 +13278,7 @@
             </a:pPr>
             <a:r>
               <a:rPr lang="en"/>
-              <a:t>Integers:				short int, int, long int</a:t>
+              <a:t>Integers:				short int, int, long int, long long int</a:t>
             </a:r>
             <a:endParaRPr/>
           </a:p>
@@ -13718,7 +13329,7 @@
             </a:pPr>
             <a:r>
               <a:rPr lang="en"/>
-              <a:t>Floating Point		float, double</a:t>
+              <a:t>Floating Point		float (singal), double</a:t>
             </a:r>
             <a:br>
               <a:rPr lang="en"/>
@@ -14058,15 +13669,7 @@
                   <a:schemeClr val="dk2"/>
                 </a:solidFill>
               </a:rPr>
-              <a:t>+</a:t>
-            </a:r>
-            <a:r>
-              <a:rPr lang="en">
-                <a:solidFill>
-                  <a:schemeClr val="dk2"/>
-                </a:solidFill>
-              </a:rPr>
-              <a:t>4.225 x10^ +2</a:t>
+              <a:t>+ 4.225 x10^ +2</a:t>
             </a:r>
             <a:br>
               <a:rPr lang="en">
@@ -14275,7 +13878,7 @@
             <a:tbl>
               <a:tblPr>
                 <a:noFill/>
-                <a:tableStyleId>{F3CF3ABC-BAE6-4BAA-AC46-C0487A4C8D14}</a:tableStyleId>
+                <a:tableStyleId>{A7B692A8-48BE-4468-BABA-273684A0D2D3}</a:tableStyleId>
               </a:tblPr>
               <a:tblGrid>
                 <a:gridCol w="946125"/>
@@ -14535,7 +14138,7 @@
                       </a:pPr>
                       <a:r>
                         <a:rPr lang="en"/>
-                        <a:t>3 * 10 =30</a:t>
+                        <a:t>3 * 10 = 30</a:t>
                       </a:r>
                       <a:endParaRPr/>
                     </a:p>
@@ -14736,7 +14339,7 @@
             <a:tbl>
               <a:tblPr>
                 <a:noFill/>
-                <a:tableStyleId>{F3CF3ABC-BAE6-4BAA-AC46-C0487A4C8D14}</a:tableStyleId>
+                <a:tableStyleId>{A7B692A8-48BE-4468-BABA-273684A0D2D3}</a:tableStyleId>
               </a:tblPr>
               <a:tblGrid>
                 <a:gridCol w="1457175"/>
@@ -15204,7 +14807,7 @@
             <a:tbl>
               <a:tblPr>
                 <a:noFill/>
-                <a:tableStyleId>{F3CF3ABC-BAE6-4BAA-AC46-C0487A4C8D14}</a:tableStyleId>
+                <a:tableStyleId>{A7B692A8-48BE-4468-BABA-273684A0D2D3}</a:tableStyleId>
               </a:tblPr>
               <a:tblGrid>
                 <a:gridCol w="941700"/>
@@ -17289,7 +16892,7 @@
         </p:nvSpPr>
         <p:spPr>
           <a:xfrm>
-            <a:off x="1054075" y="2058350"/>
+            <a:off x="1059900" y="-68075"/>
             <a:ext cx="6588000" cy="597300"/>
           </a:xfrm>
           <a:prstGeom prst="rect">
@@ -17338,7 +16941,7 @@
         </p:nvSpPr>
         <p:spPr>
           <a:xfrm>
-            <a:off x="1054075" y="3277550"/>
+            <a:off x="1059900" y="4258775"/>
             <a:ext cx="6588000" cy="787200"/>
           </a:xfrm>
           <a:prstGeom prst="rect">
@@ -17538,7 +17141,7 @@
             <a:tbl>
               <a:tblPr>
                 <a:noFill/>
-                <a:tableStyleId>{F3CF3ABC-BAE6-4BAA-AC46-C0487A4C8D14}</a:tableStyleId>
+                <a:tableStyleId>{A7B692A8-48BE-4468-BABA-273684A0D2D3}</a:tableStyleId>
               </a:tblPr>
               <a:tblGrid>
                 <a:gridCol w="946125"/>
@@ -18444,7 +18047,7 @@
             <a:tbl>
               <a:tblPr>
                 <a:noFill/>
-                <a:tableStyleId>{F3CF3ABC-BAE6-4BAA-AC46-C0487A4C8D14}</a:tableStyleId>
+                <a:tableStyleId>{A7B692A8-48BE-4468-BABA-273684A0D2D3}</a:tableStyleId>
               </a:tblPr>
               <a:tblGrid>
                 <a:gridCol w="905000"/>
@@ -18988,7 +18591,7 @@
             <a:tbl>
               <a:tblPr>
                 <a:noFill/>
-                <a:tableStyleId>{F3CF3ABC-BAE6-4BAA-AC46-C0487A4C8D14}</a:tableStyleId>
+                <a:tableStyleId>{A7B692A8-48BE-4468-BABA-273684A0D2D3}</a:tableStyleId>
               </a:tblPr>
               <a:tblGrid>
                 <a:gridCol w="905000"/>
@@ -19695,7 +19298,7 @@
             <a:tbl>
               <a:tblPr>
                 <a:noFill/>
-                <a:tableStyleId>{F3CF3ABC-BAE6-4BAA-AC46-C0487A4C8D14}</a:tableStyleId>
+                <a:tableStyleId>{A7B692A8-48BE-4468-BABA-273684A0D2D3}</a:tableStyleId>
               </a:tblPr>
               <a:tblGrid>
                 <a:gridCol w="454125"/>
@@ -20236,7 +19839,7 @@
             <a:tbl>
               <a:tblPr>
                 <a:noFill/>
-                <a:tableStyleId>{F3CF3ABC-BAE6-4BAA-AC46-C0487A4C8D14}</a:tableStyleId>
+                <a:tableStyleId>{A7B692A8-48BE-4468-BABA-273684A0D2D3}</a:tableStyleId>
               </a:tblPr>
               <a:tblGrid>
                 <a:gridCol w="1177400"/>
@@ -21886,7 +21489,7 @@
         </p:nvSpPr>
         <p:spPr>
           <a:xfrm>
-            <a:off x="311700" y="445025"/>
+            <a:off x="311700" y="521225"/>
             <a:ext cx="8520600" cy="572700"/>
           </a:xfrm>
           <a:prstGeom prst="rect">
@@ -22509,6 +22112,285 @@
 </file>
 
 <file path=ppt/theme/theme1.xml><?xml version="1.0" encoding="utf-8"?>
+<a:theme xmlns:a="http://schemas.openxmlformats.org/drawingml/2006/main" xmlns:r="http://schemas.openxmlformats.org/officeDocument/2006/relationships" name="Simple Light">
+  <a:themeElements>
+    <a:clrScheme name="Simple Light">
+      <a:dk1>
+        <a:srgbClr val="000000"/>
+      </a:dk1>
+      <a:lt1>
+        <a:srgbClr val="FFFFFF"/>
+      </a:lt1>
+      <a:dk2>
+        <a:srgbClr val="595959"/>
+      </a:dk2>
+      <a:lt2>
+        <a:srgbClr val="EEEEEE"/>
+      </a:lt2>
+      <a:accent1>
+        <a:srgbClr val="4285F4"/>
+      </a:accent1>
+      <a:accent2>
+        <a:srgbClr val="212121"/>
+      </a:accent2>
+      <a:accent3>
+        <a:srgbClr val="78909C"/>
+      </a:accent3>
+      <a:accent4>
+        <a:srgbClr val="FFAB40"/>
+      </a:accent4>
+      <a:accent5>
+        <a:srgbClr val="0097A7"/>
+      </a:accent5>
+      <a:accent6>
+        <a:srgbClr val="EEFF41"/>
+      </a:accent6>
+      <a:hlink>
+        <a:srgbClr val="0097A7"/>
+      </a:hlink>
+      <a:folHlink>
+        <a:srgbClr val="0097A7"/>
+      </a:folHlink>
+    </a:clrScheme>
+    <a:fontScheme name="Office">
+      <a:majorFont>
+        <a:latin typeface="Arial"/>
+        <a:ea typeface=""/>
+        <a:cs typeface=""/>
+        <a:font script="Jpan" typeface="ＭＳ Ｐゴシック"/>
+        <a:font script="Hang" typeface="맑은 고딕"/>
+        <a:font script="Hans" typeface="宋体"/>
+        <a:font script="Hant" typeface="新細明體"/>
+        <a:font script="Arab" typeface="Times New Roman"/>
+        <a:font script="Hebr" typeface="Times New Roman"/>
+        <a:font script="Thai" typeface="Angsana New"/>
+        <a:font script="Ethi" typeface="Nyala"/>
+        <a:font script="Beng" typeface="Vrinda"/>
+        <a:font script="Gujr" typeface="Shruti"/>
+        <a:font script="Khmr" typeface="MoolBoran"/>
+        <a:font script="Knda" typeface="Tunga"/>
+        <a:font script="Guru" typeface="Raavi"/>
+        <a:font script="Cans" typeface="Euphemia"/>
+        <a:font script="Cher" typeface="Plantagenet Cherokee"/>
+        <a:font script="Yiii" typeface="Microsoft Yi Baiti"/>
+        <a:font script="Tibt" typeface="Microsoft Himalaya"/>
+        <a:font script="Thaa" typeface="MV Boli"/>
+        <a:font script="Deva" typeface="Mangal"/>
+        <a:font script="Telu" typeface="Gautami"/>
+        <a:font script="Taml" typeface="Latha"/>
+        <a:font script="Syrc" typeface="Estrangelo Edessa"/>
+        <a:font script="Orya" typeface="Kalinga"/>
+        <a:font script="Mlym" typeface="Kartika"/>
+        <a:font script="Laoo" typeface="DokChampa"/>
+        <a:font script="Sinh" typeface="Iskoola Pota"/>
+        <a:font script="Mong" typeface="Mongolian Baiti"/>
+        <a:font script="Viet" typeface="Times New Roman"/>
+        <a:font script="Uigh" typeface="Microsoft Uighur"/>
+        <a:font script="Geor" typeface="Sylfaen"/>
+      </a:majorFont>
+      <a:minorFont>
+        <a:latin typeface="Arial"/>
+        <a:ea typeface=""/>
+        <a:cs typeface=""/>
+        <a:font script="Jpan" typeface="ＭＳ Ｐゴシック"/>
+        <a:font script="Hang" typeface="맑은 고딕"/>
+        <a:font script="Hans" typeface="宋体"/>
+        <a:font script="Hant" typeface="新細明體"/>
+        <a:font script="Arab" typeface="Arial"/>
+        <a:font script="Hebr" typeface="Arial"/>
+        <a:font script="Thai" typeface="Cordia New"/>
+        <a:font script="Ethi" typeface="Nyala"/>
+        <a:font script="Beng" typeface="Vrinda"/>
+        <a:font script="Gujr" typeface="Shruti"/>
+        <a:font script="Khmr" typeface="DaunPenh"/>
+        <a:font script="Knda" typeface="Tunga"/>
+        <a:font script="Guru" typeface="Raavi"/>
+        <a:font script="Cans" typeface="Euphemia"/>
+        <a:font script="Cher" typeface="Plantagenet Cherokee"/>
+        <a:font script="Yiii" typeface="Microsoft Yi Baiti"/>
+        <a:font script="Tibt" typeface="Microsoft Himalaya"/>
+        <a:font script="Thaa" typeface="MV Boli"/>
+        <a:font script="Deva" typeface="Mangal"/>
+        <a:font script="Telu" typeface="Gautami"/>
+        <a:font script="Taml" typeface="Latha"/>
+        <a:font script="Syrc" typeface="Estrangelo Edessa"/>
+        <a:font script="Orya" typeface="Kalinga"/>
+        <a:font script="Mlym" typeface="Kartika"/>
+        <a:font script="Laoo" typeface="DokChampa"/>
+        <a:font script="Sinh" typeface="Iskoola Pota"/>
+        <a:font script="Mong" typeface="Mongolian Baiti"/>
+        <a:font script="Viet" typeface="Arial"/>
+        <a:font script="Uigh" typeface="Microsoft Uighur"/>
+        <a:font script="Geor" typeface="Sylfaen"/>
+      </a:minorFont>
+    </a:fontScheme>
+    <a:fmtScheme name="Office">
+      <a:fillStyleLst>
+        <a:solidFill>
+          <a:schemeClr val="phClr"/>
+        </a:solidFill>
+        <a:gradFill rotWithShape="1">
+          <a:gsLst>
+            <a:gs pos="0">
+              <a:schemeClr val="phClr">
+                <a:tint val="50000"/>
+                <a:satMod val="300000"/>
+              </a:schemeClr>
+            </a:gs>
+            <a:gs pos="35000">
+              <a:schemeClr val="phClr">
+                <a:tint val="37000"/>
+                <a:satMod val="300000"/>
+              </a:schemeClr>
+            </a:gs>
+            <a:gs pos="100000">
+              <a:schemeClr val="phClr">
+                <a:tint val="15000"/>
+                <a:satMod val="350000"/>
+              </a:schemeClr>
+            </a:gs>
+          </a:gsLst>
+          <a:lin ang="16200000" scaled="1"/>
+        </a:gradFill>
+        <a:gradFill rotWithShape="1">
+          <a:gsLst>
+            <a:gs pos="0">
+              <a:schemeClr val="phClr">
+                <a:tint val="100000"/>
+                <a:shade val="100000"/>
+                <a:satMod val="130000"/>
+              </a:schemeClr>
+            </a:gs>
+            <a:gs pos="100000">
+              <a:schemeClr val="phClr">
+                <a:tint val="50000"/>
+                <a:shade val="100000"/>
+                <a:satMod val="350000"/>
+              </a:schemeClr>
+            </a:gs>
+          </a:gsLst>
+          <a:lin ang="16200000" scaled="0"/>
+        </a:gradFill>
+      </a:fillStyleLst>
+      <a:lnStyleLst>
+        <a:ln w="9525" cap="flat" cmpd="sng" algn="ctr">
+          <a:solidFill>
+            <a:schemeClr val="phClr">
+              <a:shade val="95000"/>
+              <a:satMod val="105000"/>
+            </a:schemeClr>
+          </a:solidFill>
+          <a:prstDash val="solid"/>
+        </a:ln>
+        <a:ln w="25400" cap="flat" cmpd="sng" algn="ctr">
+          <a:solidFill>
+            <a:schemeClr val="phClr"/>
+          </a:solidFill>
+          <a:prstDash val="solid"/>
+        </a:ln>
+        <a:ln w="38100" cap="flat" cmpd="sng" algn="ctr">
+          <a:solidFill>
+            <a:schemeClr val="phClr"/>
+          </a:solidFill>
+          <a:prstDash val="solid"/>
+        </a:ln>
+      </a:lnStyleLst>
+      <a:effectStyleLst>
+        <a:effectStyle>
+          <a:effectLst>
+            <a:outerShdw blurRad="40000" dist="20000" dir="5400000" rotWithShape="0">
+              <a:srgbClr val="000000">
+                <a:alpha val="38000"/>
+              </a:srgbClr>
+            </a:outerShdw>
+          </a:effectLst>
+        </a:effectStyle>
+        <a:effectStyle>
+          <a:effectLst>
+            <a:outerShdw blurRad="40000" dist="23000" dir="5400000" rotWithShape="0">
+              <a:srgbClr val="000000">
+                <a:alpha val="35000"/>
+              </a:srgbClr>
+            </a:outerShdw>
+          </a:effectLst>
+        </a:effectStyle>
+        <a:effectStyle>
+          <a:effectLst>
+            <a:outerShdw blurRad="40000" dist="23000" dir="5400000" rotWithShape="0">
+              <a:srgbClr val="000000">
+                <a:alpha val="35000"/>
+              </a:srgbClr>
+            </a:outerShdw>
+          </a:effectLst>
+          <a:scene3d>
+            <a:camera prst="orthographicFront">
+              <a:rot lat="0" lon="0" rev="0"/>
+            </a:camera>
+            <a:lightRig rig="threePt" dir="t">
+              <a:rot lat="0" lon="0" rev="1200000"/>
+            </a:lightRig>
+          </a:scene3d>
+          <a:sp3d>
+            <a:bevelT w="63500" h="25400"/>
+          </a:sp3d>
+        </a:effectStyle>
+      </a:effectStyleLst>
+      <a:bgFillStyleLst>
+        <a:solidFill>
+          <a:schemeClr val="phClr"/>
+        </a:solidFill>
+        <a:gradFill rotWithShape="1">
+          <a:gsLst>
+            <a:gs pos="0">
+              <a:schemeClr val="phClr">
+                <a:tint val="40000"/>
+                <a:satMod val="350000"/>
+              </a:schemeClr>
+            </a:gs>
+            <a:gs pos="40000">
+              <a:schemeClr val="phClr">
+                <a:tint val="45000"/>
+                <a:shade val="99000"/>
+                <a:satMod val="350000"/>
+              </a:schemeClr>
+            </a:gs>
+            <a:gs pos="100000">
+              <a:schemeClr val="phClr">
+                <a:shade val="20000"/>
+                <a:satMod val="255000"/>
+              </a:schemeClr>
+            </a:gs>
+          </a:gsLst>
+          <a:path path="circle">
+            <a:fillToRect l="50000" t="-80000" r="50000" b="180000"/>
+          </a:path>
+        </a:gradFill>
+        <a:gradFill rotWithShape="1">
+          <a:gsLst>
+            <a:gs pos="0">
+              <a:schemeClr val="phClr">
+                <a:tint val="80000"/>
+                <a:satMod val="300000"/>
+              </a:schemeClr>
+            </a:gs>
+            <a:gs pos="100000">
+              <a:schemeClr val="phClr">
+                <a:shade val="30000"/>
+                <a:satMod val="200000"/>
+              </a:schemeClr>
+            </a:gs>
+          </a:gsLst>
+          <a:path path="circle">
+            <a:fillToRect l="50000" t="50000" r="50000" b="50000"/>
+          </a:path>
+        </a:gradFill>
+      </a:bgFillStyleLst>
+    </a:fmtScheme>
+  </a:themeElements>
+</a:theme>
+</file>
+
+<file path=ppt/theme/theme2.xml><?xml version="1.0" encoding="utf-8"?>
 <a:theme xmlns:a="http://schemas.openxmlformats.org/drawingml/2006/main" xmlns:r="http://schemas.openxmlformats.org/officeDocument/2006/relationships">
   <a:themeElements>
     <a:clrScheme name="Default">
@@ -22785,283 +22667,4 @@
     </a:fmtScheme>
   </a:themeElements>
 </a:theme>
-</file>
-
-<file path=ppt/theme/theme2.xml><?xml version="1.0" encoding="utf-8"?>
-<a:theme xmlns:a="http://schemas.openxmlformats.org/drawingml/2006/main" xmlns:r="http://schemas.openxmlformats.org/officeDocument/2006/relationships" name="Simple Light">
-  <a:themeElements>
-    <a:clrScheme name="Simple Light">
-      <a:dk1>
-        <a:srgbClr val="000000"/>
-      </a:dk1>
-      <a:lt1>
-        <a:srgbClr val="FFFFFF"/>
-      </a:lt1>
-      <a:dk2>
-        <a:srgbClr val="595959"/>
-      </a:dk2>
-      <a:lt2>
-        <a:srgbClr val="EEEEEE"/>
-      </a:lt2>
-      <a:accent1>
-        <a:srgbClr val="4285F4"/>
-      </a:accent1>
-      <a:accent2>
-        <a:srgbClr val="212121"/>
-      </a:accent2>
-      <a:accent3>
-        <a:srgbClr val="78909C"/>
-      </a:accent3>
-      <a:accent4>
-        <a:srgbClr val="FFAB40"/>
-      </a:accent4>
-      <a:accent5>
-        <a:srgbClr val="0097A7"/>
-      </a:accent5>
-      <a:accent6>
-        <a:srgbClr val="EEFF41"/>
-      </a:accent6>
-      <a:hlink>
-        <a:srgbClr val="0097A7"/>
-      </a:hlink>
-      <a:folHlink>
-        <a:srgbClr val="0097A7"/>
-      </a:folHlink>
-    </a:clrScheme>
-    <a:fontScheme name="Office">
-      <a:majorFont>
-        <a:latin typeface="Arial"/>
-        <a:ea typeface=""/>
-        <a:cs typeface=""/>
-        <a:font script="Jpan" typeface="ＭＳ Ｐゴシック"/>
-        <a:font script="Hang" typeface="맑은 고딕"/>
-        <a:font script="Hans" typeface="宋体"/>
-        <a:font script="Hant" typeface="新細明體"/>
-        <a:font script="Arab" typeface="Times New Roman"/>
-        <a:font script="Hebr" typeface="Times New Roman"/>
-        <a:font script="Thai" typeface="Angsana New"/>
-        <a:font script="Ethi" typeface="Nyala"/>
-        <a:font script="Beng" typeface="Vrinda"/>
-        <a:font script="Gujr" typeface="Shruti"/>
-        <a:font script="Khmr" typeface="MoolBoran"/>
-        <a:font script="Knda" typeface="Tunga"/>
-        <a:font script="Guru" typeface="Raavi"/>
-        <a:font script="Cans" typeface="Euphemia"/>
-        <a:font script="Cher" typeface="Plantagenet Cherokee"/>
-        <a:font script="Yiii" typeface="Microsoft Yi Baiti"/>
-        <a:font script="Tibt" typeface="Microsoft Himalaya"/>
-        <a:font script="Thaa" typeface="MV Boli"/>
-        <a:font script="Deva" typeface="Mangal"/>
-        <a:font script="Telu" typeface="Gautami"/>
-        <a:font script="Taml" typeface="Latha"/>
-        <a:font script="Syrc" typeface="Estrangelo Edessa"/>
-        <a:font script="Orya" typeface="Kalinga"/>
-        <a:font script="Mlym" typeface="Kartika"/>
-        <a:font script="Laoo" typeface="DokChampa"/>
-        <a:font script="Sinh" typeface="Iskoola Pota"/>
-        <a:font script="Mong" typeface="Mongolian Baiti"/>
-        <a:font script="Viet" typeface="Times New Roman"/>
-        <a:font script="Uigh" typeface="Microsoft Uighur"/>
-        <a:font script="Geor" typeface="Sylfaen"/>
-      </a:majorFont>
-      <a:minorFont>
-        <a:latin typeface="Arial"/>
-        <a:ea typeface=""/>
-        <a:cs typeface=""/>
-        <a:font script="Jpan" typeface="ＭＳ Ｐゴシック"/>
-        <a:font script="Hang" typeface="맑은 고딕"/>
-        <a:font script="Hans" typeface="宋体"/>
-        <a:font script="Hant" typeface="新細明體"/>
-        <a:font script="Arab" typeface="Arial"/>
-        <a:font script="Hebr" typeface="Arial"/>
-        <a:font script="Thai" typeface="Cordia New"/>
-        <a:font script="Ethi" typeface="Nyala"/>
-        <a:font script="Beng" typeface="Vrinda"/>
-        <a:font script="Gujr" typeface="Shruti"/>
-        <a:font script="Khmr" typeface="DaunPenh"/>
-        <a:font script="Knda" typeface="Tunga"/>
-        <a:font script="Guru" typeface="Raavi"/>
-        <a:font script="Cans" typeface="Euphemia"/>
-        <a:font script="Cher" typeface="Plantagenet Cherokee"/>
-        <a:font script="Yiii" typeface="Microsoft Yi Baiti"/>
-        <a:font script="Tibt" typeface="Microsoft Himalaya"/>
-        <a:font script="Thaa" typeface="MV Boli"/>
-        <a:font script="Deva" typeface="Mangal"/>
-        <a:font script="Telu" typeface="Gautami"/>
-        <a:font script="Taml" typeface="Latha"/>
-        <a:font script="Syrc" typeface="Estrangelo Edessa"/>
-        <a:font script="Orya" typeface="Kalinga"/>
-        <a:font script="Mlym" typeface="Kartika"/>
-        <a:font script="Laoo" typeface="DokChampa"/>
-        <a:font script="Sinh" typeface="Iskoola Pota"/>
-        <a:font script="Mong" typeface="Mongolian Baiti"/>
-        <a:font script="Viet" typeface="Arial"/>
-        <a:font script="Uigh" typeface="Microsoft Uighur"/>
-        <a:font script="Geor" typeface="Sylfaen"/>
-      </a:minorFont>
-    </a:fontScheme>
-    <a:fmtScheme name="Office">
-      <a:fillStyleLst>
-        <a:solidFill>
-          <a:schemeClr val="phClr"/>
-        </a:solidFill>
-        <a:gradFill rotWithShape="1">
-          <a:gsLst>
-            <a:gs pos="0">
-              <a:schemeClr val="phClr">
-                <a:tint val="50000"/>
-                <a:satMod val="300000"/>
-              </a:schemeClr>
-            </a:gs>
-            <a:gs pos="35000">
-              <a:schemeClr val="phClr">
-                <a:tint val="37000"/>
-                <a:satMod val="300000"/>
-              </a:schemeClr>
-            </a:gs>
-            <a:gs pos="100000">
-              <a:schemeClr val="phClr">
-                <a:tint val="15000"/>
-                <a:satMod val="350000"/>
-              </a:schemeClr>
-            </a:gs>
-          </a:gsLst>
-          <a:lin ang="16200000" scaled="1"/>
-        </a:gradFill>
-        <a:gradFill rotWithShape="1">
-          <a:gsLst>
-            <a:gs pos="0">
-              <a:schemeClr val="phClr">
-                <a:tint val="100000"/>
-                <a:shade val="100000"/>
-                <a:satMod val="130000"/>
-              </a:schemeClr>
-            </a:gs>
-            <a:gs pos="100000">
-              <a:schemeClr val="phClr">
-                <a:tint val="50000"/>
-                <a:shade val="100000"/>
-                <a:satMod val="350000"/>
-              </a:schemeClr>
-            </a:gs>
-          </a:gsLst>
-          <a:lin ang="16200000" scaled="0"/>
-        </a:gradFill>
-      </a:fillStyleLst>
-      <a:lnStyleLst>
-        <a:ln w="9525" cap="flat" cmpd="sng" algn="ctr">
-          <a:solidFill>
-            <a:schemeClr val="phClr">
-              <a:shade val="95000"/>
-              <a:satMod val="105000"/>
-            </a:schemeClr>
-          </a:solidFill>
-          <a:prstDash val="solid"/>
-        </a:ln>
-        <a:ln w="25400" cap="flat" cmpd="sng" algn="ctr">
-          <a:solidFill>
-            <a:schemeClr val="phClr"/>
-          </a:solidFill>
-          <a:prstDash val="solid"/>
-        </a:ln>
-        <a:ln w="38100" cap="flat" cmpd="sng" algn="ctr">
-          <a:solidFill>
-            <a:schemeClr val="phClr"/>
-          </a:solidFill>
-          <a:prstDash val="solid"/>
-        </a:ln>
-      </a:lnStyleLst>
-      <a:effectStyleLst>
-        <a:effectStyle>
-          <a:effectLst>
-            <a:outerShdw blurRad="40000" dist="20000" dir="5400000" rotWithShape="0">
-              <a:srgbClr val="000000">
-                <a:alpha val="38000"/>
-              </a:srgbClr>
-            </a:outerShdw>
-          </a:effectLst>
-        </a:effectStyle>
-        <a:effectStyle>
-          <a:effectLst>
-            <a:outerShdw blurRad="40000" dist="23000" dir="5400000" rotWithShape="0">
-              <a:srgbClr val="000000">
-                <a:alpha val="35000"/>
-              </a:srgbClr>
-            </a:outerShdw>
-          </a:effectLst>
-        </a:effectStyle>
-        <a:effectStyle>
-          <a:effectLst>
-            <a:outerShdw blurRad="40000" dist="23000" dir="5400000" rotWithShape="0">
-              <a:srgbClr val="000000">
-                <a:alpha val="35000"/>
-              </a:srgbClr>
-            </a:outerShdw>
-          </a:effectLst>
-          <a:scene3d>
-            <a:camera prst="orthographicFront">
-              <a:rot lat="0" lon="0" rev="0"/>
-            </a:camera>
-            <a:lightRig rig="threePt" dir="t">
-              <a:rot lat="0" lon="0" rev="1200000"/>
-            </a:lightRig>
-          </a:scene3d>
-          <a:sp3d>
-            <a:bevelT w="63500" h="25400"/>
-          </a:sp3d>
-        </a:effectStyle>
-      </a:effectStyleLst>
-      <a:bgFillStyleLst>
-        <a:solidFill>
-          <a:schemeClr val="phClr"/>
-        </a:solidFill>
-        <a:gradFill rotWithShape="1">
-          <a:gsLst>
-            <a:gs pos="0">
-              <a:schemeClr val="phClr">
-                <a:tint val="40000"/>
-                <a:satMod val="350000"/>
-              </a:schemeClr>
-            </a:gs>
-            <a:gs pos="40000">
-              <a:schemeClr val="phClr">
-                <a:tint val="45000"/>
-                <a:shade val="99000"/>
-                <a:satMod val="350000"/>
-              </a:schemeClr>
-            </a:gs>
-            <a:gs pos="100000">
-              <a:schemeClr val="phClr">
-                <a:shade val="20000"/>
-                <a:satMod val="255000"/>
-              </a:schemeClr>
-            </a:gs>
-          </a:gsLst>
-          <a:path path="circle">
-            <a:fillToRect l="50000" t="-80000" r="50000" b="180000"/>
-          </a:path>
-        </a:gradFill>
-        <a:gradFill rotWithShape="1">
-          <a:gsLst>
-            <a:gs pos="0">
-              <a:schemeClr val="phClr">
-                <a:tint val="80000"/>
-                <a:satMod val="300000"/>
-              </a:schemeClr>
-            </a:gs>
-            <a:gs pos="100000">
-              <a:schemeClr val="phClr">
-                <a:shade val="30000"/>
-                <a:satMod val="200000"/>
-              </a:schemeClr>
-            </a:gs>
-          </a:gsLst>
-          <a:path path="circle">
-            <a:fillToRect l="50000" t="50000" r="50000" b="50000"/>
-          </a:path>
-        </a:gradFill>
-      </a:bgFillStyleLst>
-    </a:fmtScheme>
-  </a:themeElements>
-</a:theme>
 </file>
--- a/format_encodings/documents/Introduction to Numbering Systems.pptx
+++ b/format_encodings/documents/Introduction to Numbering Systems.pptx
@@ -10396,7 +10396,7 @@
             <a:tbl>
               <a:tblPr>
                 <a:noFill/>
-                <a:tableStyleId>{A7B692A8-48BE-4468-BABA-273684A0D2D3}</a:tableStyleId>
+                <a:tableStyleId>{CD773444-2889-4E0A-8B40-9388B329AE34}</a:tableStyleId>
               </a:tblPr>
               <a:tblGrid>
                 <a:gridCol w="698500"/>
@@ -12098,7 +12098,7 @@
         </p:nvSpPr>
         <p:spPr>
           <a:xfrm>
-            <a:off x="8588175" y="1384013"/>
+            <a:off x="8359575" y="1384013"/>
             <a:ext cx="612600" cy="3545400"/>
           </a:xfrm>
           <a:prstGeom prst="rect">
@@ -12154,7 +12154,7 @@
             <a:tbl>
               <a:tblPr>
                 <a:noFill/>
-                <a:tableStyleId>{A7B692A8-48BE-4468-BABA-273684A0D2D3}</a:tableStyleId>
+                <a:tableStyleId>{CD773444-2889-4E0A-8B40-9388B329AE34}</a:tableStyleId>
               </a:tblPr>
               <a:tblGrid>
                 <a:gridCol w="698500"/>
@@ -13878,7 +13878,7 @@
             <a:tbl>
               <a:tblPr>
                 <a:noFill/>
-                <a:tableStyleId>{A7B692A8-48BE-4468-BABA-273684A0D2D3}</a:tableStyleId>
+                <a:tableStyleId>{CD773444-2889-4E0A-8B40-9388B329AE34}</a:tableStyleId>
               </a:tblPr>
               <a:tblGrid>
                 <a:gridCol w="946125"/>
@@ -14339,7 +14339,7 @@
             <a:tbl>
               <a:tblPr>
                 <a:noFill/>
-                <a:tableStyleId>{A7B692A8-48BE-4468-BABA-273684A0D2D3}</a:tableStyleId>
+                <a:tableStyleId>{CD773444-2889-4E0A-8B40-9388B329AE34}</a:tableStyleId>
               </a:tblPr>
               <a:tblGrid>
                 <a:gridCol w="1457175"/>
@@ -14807,7 +14807,7 @@
             <a:tbl>
               <a:tblPr>
                 <a:noFill/>
-                <a:tableStyleId>{A7B692A8-48BE-4468-BABA-273684A0D2D3}</a:tableStyleId>
+                <a:tableStyleId>{CD773444-2889-4E0A-8B40-9388B329AE34}</a:tableStyleId>
               </a:tblPr>
               <a:tblGrid>
                 <a:gridCol w="941700"/>
@@ -17141,7 +17141,7 @@
             <a:tbl>
               <a:tblPr>
                 <a:noFill/>
-                <a:tableStyleId>{A7B692A8-48BE-4468-BABA-273684A0D2D3}</a:tableStyleId>
+                <a:tableStyleId>{CD773444-2889-4E0A-8B40-9388B329AE34}</a:tableStyleId>
               </a:tblPr>
               <a:tblGrid>
                 <a:gridCol w="946125"/>
@@ -17287,14 +17287,14 @@
                       <a:r>
                         <a:rPr lang="en">
                           <a:solidFill>
-                            <a:schemeClr val="lt1"/>
+                            <a:schemeClr val="dk2"/>
                           </a:solidFill>
                         </a:rPr>
                         <a:t>100</a:t>
                       </a:r>
                       <a:endParaRPr>
                         <a:solidFill>
-                          <a:schemeClr val="lt1"/>
+                          <a:schemeClr val="dk2"/>
                         </a:solidFill>
                       </a:endParaRPr>
                     </a:p>
@@ -17464,14 +17464,14 @@
                       <a:r>
                         <a:rPr lang="en">
                           <a:solidFill>
-                            <a:schemeClr val="lt1"/>
+                            <a:schemeClr val="dk2"/>
                           </a:solidFill>
                         </a:rPr>
                         <a:t>50</a:t>
                       </a:r>
                       <a:endParaRPr>
                         <a:solidFill>
-                          <a:schemeClr val="lt1"/>
+                          <a:schemeClr val="dk2"/>
                         </a:solidFill>
                       </a:endParaRPr>
                     </a:p>
@@ -17641,14 +17641,14 @@
                       <a:r>
                         <a:rPr lang="en">
                           <a:solidFill>
-                            <a:schemeClr val="lt1"/>
+                            <a:schemeClr val="dk2"/>
                           </a:solidFill>
                         </a:rPr>
                         <a:t>4</a:t>
                       </a:r>
                       <a:endParaRPr>
                         <a:solidFill>
-                          <a:schemeClr val="lt1"/>
+                          <a:schemeClr val="dk2"/>
                         </a:solidFill>
                       </a:endParaRPr>
                     </a:p>
@@ -17779,14 +17779,14 @@
                       <a:r>
                         <a:rPr lang="en">
                           <a:solidFill>
-                            <a:schemeClr val="lt1"/>
+                            <a:schemeClr val="dk2"/>
                           </a:solidFill>
                         </a:rPr>
                         <a:t>154</a:t>
                       </a:r>
                       <a:endParaRPr>
                         <a:solidFill>
-                          <a:schemeClr val="lt1"/>
+                          <a:schemeClr val="dk2"/>
                         </a:solidFill>
                       </a:endParaRPr>
                     </a:p>
@@ -18047,7 +18047,7 @@
             <a:tbl>
               <a:tblPr>
                 <a:noFill/>
-                <a:tableStyleId>{A7B692A8-48BE-4468-BABA-273684A0D2D3}</a:tableStyleId>
+                <a:tableStyleId>{CD773444-2889-4E0A-8B40-9388B329AE34}</a:tableStyleId>
               </a:tblPr>
               <a:tblGrid>
                 <a:gridCol w="905000"/>
@@ -18200,14 +18200,14 @@
                       <a:r>
                         <a:rPr lang="en">
                           <a:solidFill>
-                            <a:schemeClr val="lt1"/>
+                            <a:schemeClr val="dk2"/>
                           </a:solidFill>
                         </a:rPr>
                         <a:t>9 x 16 = 144</a:t>
                       </a:r>
                       <a:endParaRPr>
                         <a:solidFill>
-                          <a:schemeClr val="lt1"/>
+                          <a:schemeClr val="dk2"/>
                         </a:solidFill>
                       </a:endParaRPr>
                     </a:p>
@@ -18377,14 +18377,14 @@
                       <a:r>
                         <a:rPr lang="en">
                           <a:solidFill>
-                            <a:schemeClr val="lt1"/>
+                            <a:schemeClr val="dk2"/>
                           </a:solidFill>
                         </a:rPr>
                         <a:t>10 x 1 = 10</a:t>
                       </a:r>
                       <a:endParaRPr>
                         <a:solidFill>
-                          <a:schemeClr val="lt1"/>
+                          <a:schemeClr val="dk2"/>
                         </a:solidFill>
                       </a:endParaRPr>
                     </a:p>
@@ -18520,14 +18520,14 @@
                       <a:r>
                         <a:rPr lang="en">
                           <a:solidFill>
-                            <a:schemeClr val="lt1"/>
+                            <a:schemeClr val="dk2"/>
                           </a:solidFill>
                         </a:rPr>
                         <a:t>154</a:t>
                       </a:r>
                       <a:endParaRPr>
                         <a:solidFill>
-                          <a:schemeClr val="lt1"/>
+                          <a:schemeClr val="dk2"/>
                         </a:solidFill>
                       </a:endParaRPr>
                     </a:p>
@@ -18591,7 +18591,7 @@
             <a:tbl>
               <a:tblPr>
                 <a:noFill/>
-                <a:tableStyleId>{A7B692A8-48BE-4468-BABA-273684A0D2D3}</a:tableStyleId>
+                <a:tableStyleId>{CD773444-2889-4E0A-8B40-9388B329AE34}</a:tableStyleId>
               </a:tblPr>
               <a:tblGrid>
                 <a:gridCol w="905000"/>
@@ -18741,7 +18741,7 @@
                       <a:r>
                         <a:rPr lang="en">
                           <a:solidFill>
-                            <a:schemeClr val="lt1"/>
+                            <a:schemeClr val="dk2"/>
                           </a:solidFill>
                         </a:rPr>
                         <a:t>2 * 64 = </a:t>
@@ -18749,14 +18749,14 @@
                       <a:r>
                         <a:rPr lang="en">
                           <a:solidFill>
-                            <a:schemeClr val="lt1"/>
+                            <a:schemeClr val="dk2"/>
                           </a:solidFill>
                         </a:rPr>
                         <a:t>128</a:t>
                       </a:r>
                       <a:endParaRPr>
                         <a:solidFill>
-                          <a:schemeClr val="lt1"/>
+                          <a:schemeClr val="dk2"/>
                         </a:solidFill>
                       </a:endParaRPr>
                     </a:p>
@@ -18926,14 +18926,14 @@
                       <a:r>
                         <a:rPr lang="en">
                           <a:solidFill>
-                            <a:schemeClr val="lt1"/>
+                            <a:schemeClr val="dk2"/>
                           </a:solidFill>
                         </a:rPr>
                         <a:t>3 * 8 = 24</a:t>
                       </a:r>
                       <a:endParaRPr>
                         <a:solidFill>
-                          <a:schemeClr val="lt1"/>
+                          <a:schemeClr val="dk2"/>
                         </a:solidFill>
                       </a:endParaRPr>
                     </a:p>
@@ -19084,14 +19084,14 @@
                       <a:r>
                         <a:rPr lang="en">
                           <a:solidFill>
-                            <a:schemeClr val="lt1"/>
+                            <a:schemeClr val="dk2"/>
                           </a:solidFill>
                         </a:rPr>
                         <a:t>2 * 1 = 2</a:t>
                       </a:r>
                       <a:endParaRPr>
                         <a:solidFill>
-                          <a:schemeClr val="lt1"/>
+                          <a:schemeClr val="dk2"/>
                         </a:solidFill>
                       </a:endParaRPr>
                     </a:p>
@@ -19227,14 +19227,14 @@
                       <a:r>
                         <a:rPr lang="en">
                           <a:solidFill>
-                            <a:schemeClr val="lt1"/>
+                            <a:schemeClr val="dk2"/>
                           </a:solidFill>
                         </a:rPr>
                         <a:t>154</a:t>
                       </a:r>
                       <a:endParaRPr>
                         <a:solidFill>
-                          <a:schemeClr val="lt1"/>
+                          <a:schemeClr val="dk2"/>
                         </a:solidFill>
                       </a:endParaRPr>
                     </a:p>
@@ -19298,7 +19298,7 @@
             <a:tbl>
               <a:tblPr>
                 <a:noFill/>
-                <a:tableStyleId>{A7B692A8-48BE-4468-BABA-273684A0D2D3}</a:tableStyleId>
+                <a:tableStyleId>{CD773444-2889-4E0A-8B40-9388B329AE34}</a:tableStyleId>
               </a:tblPr>
               <a:tblGrid>
                 <a:gridCol w="454125"/>
@@ -19839,7 +19839,7 @@
             <a:tbl>
               <a:tblPr>
                 <a:noFill/>
-                <a:tableStyleId>{A7B692A8-48BE-4468-BABA-273684A0D2D3}</a:tableStyleId>
+                <a:tableStyleId>{CD773444-2889-4E0A-8B40-9388B329AE34}</a:tableStyleId>
               </a:tblPr>
               <a:tblGrid>
                 <a:gridCol w="1177400"/>
@@ -19985,14 +19985,14 @@
                       <a:r>
                         <a:rPr lang="en">
                           <a:solidFill>
-                            <a:schemeClr val="lt1"/>
+                            <a:schemeClr val="lt2"/>
                           </a:solidFill>
                         </a:rPr>
                         <a:t>128</a:t>
                       </a:r>
                       <a:endParaRPr>
                         <a:solidFill>
-                          <a:schemeClr val="lt1"/>
+                          <a:schemeClr val="lt2"/>
                         </a:solidFill>
                       </a:endParaRPr>
                     </a:p>
@@ -20162,14 +20162,14 @@
                       <a:r>
                         <a:rPr lang="en">
                           <a:solidFill>
-                            <a:schemeClr val="lt1"/>
+                            <a:schemeClr val="lt2"/>
                           </a:solidFill>
                         </a:rPr>
                         <a:t>0</a:t>
                       </a:r>
                       <a:endParaRPr>
                         <a:solidFill>
-                          <a:schemeClr val="lt1"/>
+                          <a:schemeClr val="lt2"/>
                         </a:solidFill>
                       </a:endParaRPr>
                     </a:p>
@@ -20339,14 +20339,14 @@
                       <a:r>
                         <a:rPr lang="en">
                           <a:solidFill>
-                            <a:schemeClr val="lt1"/>
+                            <a:schemeClr val="lt2"/>
                           </a:solidFill>
                         </a:rPr>
                         <a:t>0</a:t>
                       </a:r>
                       <a:endParaRPr>
                         <a:solidFill>
-                          <a:schemeClr val="lt1"/>
+                          <a:schemeClr val="lt2"/>
                         </a:solidFill>
                       </a:endParaRPr>
                     </a:p>
@@ -20516,14 +20516,14 @@
                       <a:r>
                         <a:rPr lang="en">
                           <a:solidFill>
-                            <a:schemeClr val="lt1"/>
+                            <a:schemeClr val="lt2"/>
                           </a:solidFill>
                         </a:rPr>
                         <a:t>16</a:t>
                       </a:r>
                       <a:endParaRPr>
                         <a:solidFill>
-                          <a:schemeClr val="lt1"/>
+                          <a:schemeClr val="lt2"/>
                         </a:solidFill>
                       </a:endParaRPr>
                     </a:p>
@@ -20693,14 +20693,14 @@
                       <a:r>
                         <a:rPr lang="en">
                           <a:solidFill>
-                            <a:schemeClr val="lt1"/>
+                            <a:schemeClr val="lt2"/>
                           </a:solidFill>
                         </a:rPr>
                         <a:t>8</a:t>
                       </a:r>
                       <a:endParaRPr>
                         <a:solidFill>
-                          <a:schemeClr val="lt1"/>
+                          <a:schemeClr val="lt2"/>
                         </a:solidFill>
                       </a:endParaRPr>
                     </a:p>
@@ -20870,14 +20870,14 @@
                       <a:r>
                         <a:rPr lang="en">
                           <a:solidFill>
-                            <a:schemeClr val="lt1"/>
+                            <a:schemeClr val="lt2"/>
                           </a:solidFill>
                         </a:rPr>
                         <a:t>0</a:t>
                       </a:r>
                       <a:endParaRPr>
                         <a:solidFill>
-                          <a:schemeClr val="lt1"/>
+                          <a:schemeClr val="lt2"/>
                         </a:solidFill>
                       </a:endParaRPr>
                     </a:p>
@@ -21047,14 +21047,14 @@
                       <a:r>
                         <a:rPr lang="en">
                           <a:solidFill>
-                            <a:schemeClr val="lt1"/>
+                            <a:schemeClr val="lt2"/>
                           </a:solidFill>
                         </a:rPr>
                         <a:t>2</a:t>
                       </a:r>
                       <a:endParaRPr>
                         <a:solidFill>
-                          <a:schemeClr val="lt1"/>
+                          <a:schemeClr val="lt2"/>
                         </a:solidFill>
                       </a:endParaRPr>
                     </a:p>
@@ -21224,14 +21224,14 @@
                       <a:r>
                         <a:rPr lang="en">
                           <a:solidFill>
-                            <a:schemeClr val="lt1"/>
+                            <a:schemeClr val="lt2"/>
                           </a:solidFill>
                         </a:rPr>
                         <a:t>0</a:t>
                       </a:r>
                       <a:endParaRPr>
                         <a:solidFill>
-                          <a:schemeClr val="lt1"/>
+                          <a:schemeClr val="lt2"/>
                         </a:solidFill>
                       </a:endParaRPr>
                     </a:p>
@@ -21390,7 +21390,7 @@
                       <a:r>
                         <a:rPr lang="en">
                           <a:solidFill>
-                            <a:schemeClr val="lt1"/>
+                            <a:schemeClr val="lt2"/>
                           </a:solidFill>
                           <a:latin typeface="Source Code Pro"/>
                           <a:ea typeface="Source Code Pro"/>
@@ -21401,7 +21401,7 @@
                       </a:r>
                       <a:endParaRPr>
                         <a:solidFill>
-                          <a:schemeClr val="lt1"/>
+                          <a:schemeClr val="lt2"/>
                         </a:solidFill>
                         <a:latin typeface="Source Code Pro"/>
                         <a:ea typeface="Source Code Pro"/>
